--- a/Projeto_SAD.pptx
+++ b/Projeto_SAD.pptx
@@ -3709,7 +3709,7 @@
         </p:nvSpPr>
         <p:spPr>
           <a:xfrm>
-            <a:off x="381300" y="685800"/>
+            <a:off x="381000" y="685800"/>
             <a:ext cx="6096000" cy="3429000"/>
           </a:xfrm>
           <a:custGeom>
@@ -3790,7 +3790,7 @@
               <a:buSzPts val="1100"/>
               <a:buNone/>
             </a:pPr>
-            <a:endParaRPr/>
+            <a:endParaRPr dirty="0"/>
           </a:p>
         </p:txBody>
       </p:sp>
@@ -13458,10 +13458,10 @@
               <a:buNone/>
             </a:pPr>
             <a:r>
-              <a:rPr lang="pt-BR"/>
+              <a:rPr lang="pt-BR" dirty="0"/>
               <a:t>Acidentes de Trabalho</a:t>
             </a:r>
-            <a:endParaRPr/>
+            <a:endParaRPr dirty="0"/>
           </a:p>
         </p:txBody>
       </p:sp>
@@ -13589,7 +13589,17 @@
             </a:pPr>
             <a:r>
               <a:rPr lang="pt-BR" sz="2000" dirty="0"/>
-              <a:t>Fonte dos Dados: &lt;https://dados.gov.br/dados/conjuntos-dados/inss-comunicacao-de-acidente-de-trabalho-cat1&gt;</a:t>
+              <a:t>Fonte dos Dados: &lt;</a:t>
+            </a:r>
+            <a:r>
+              <a:rPr lang="pt-BR" sz="2000" dirty="0">
+                <a:hlinkClick r:id="rId4"/>
+              </a:rPr>
+              <a:t>https://dados.gov.br/dados/conjuntos-dados/inss-comunicacao-de-acidente-de-trabalho-cat1</a:t>
+            </a:r>
+            <a:r>
+              <a:rPr lang="pt-BR" sz="2000" dirty="0"/>
+              <a:t>&gt;</a:t>
             </a:r>
             <a:endParaRPr sz="2000" dirty="0"/>
           </a:p>
@@ -13609,7 +13619,13 @@
             </a:pPr>
             <a:r>
               <a:rPr lang="pt-BR" sz="2000" dirty="0"/>
-              <a:t>Aplicação OLAP: &lt;link para a aplicação OLAP&gt;</a:t>
+              <a:t>Aplicação OLAP: </a:t>
+            </a:r>
+            <a:r>
+              <a:rPr lang="pt-BR" sz="2000" dirty="0">
+                <a:hlinkClick r:id="rId5"/>
+              </a:rPr>
+              <a:t>&lt;análise-de-acidentes-de-trabalho&gt;</a:t>
             </a:r>
             <a:endParaRPr sz="2000" dirty="0"/>
           </a:p>
@@ -13617,18 +13633,30 @@
             <a:pPr marL="0" lvl="0" indent="0"/>
             <a:r>
               <a:rPr lang="pt-BR" sz="2000" dirty="0"/>
-              <a:t>Github: &lt;https://github.com/</a:t>
+              <a:t>Github: &lt;</a:t>
             </a:r>
             <a:r>
-              <a:rPr lang="pt-BR" sz="2000" dirty="0" err="1"/>
+              <a:rPr lang="pt-BR" sz="2000" dirty="0">
+                <a:hlinkClick r:id="rId6"/>
+              </a:rPr>
+              <a:t>https://github.com/</a:t>
+            </a:r>
+            <a:r>
+              <a:rPr lang="pt-BR" sz="2000" dirty="0" err="1">
+                <a:hlinkClick r:id="rId6"/>
+              </a:rPr>
               <a:t>pallomalira</a:t>
             </a:r>
             <a:r>
-              <a:rPr lang="pt-BR" sz="2000" dirty="0"/>
+              <a:rPr lang="pt-BR" sz="2000" dirty="0">
+                <a:hlinkClick r:id="rId6"/>
+              </a:rPr>
               <a:t>/</a:t>
             </a:r>
             <a:r>
-              <a:rPr lang="pt-BR" sz="2000" dirty="0" err="1"/>
+              <a:rPr lang="pt-BR" sz="2000" dirty="0" err="1">
+                <a:hlinkClick r:id="rId6"/>
+              </a:rPr>
               <a:t>projeto-sad</a:t>
             </a:r>
             <a:r>
@@ -22554,30 +22582,32 @@
       </p:sp>
       <p:pic>
         <p:nvPicPr>
-          <p:cNvPr id="240" name="Google Shape;240;p42"/>
-          <p:cNvPicPr preferRelativeResize="0"/>
+          <p:cNvPr id="4" name="Imagem 3">
+            <a:extLst>
+              <a:ext uri="{FF2B5EF4-FFF2-40B4-BE49-F238E27FC236}">
+                <a16:creationId xmlns:a16="http://schemas.microsoft.com/office/drawing/2014/main" id="{F9EC9F52-01FC-CDF6-C3A7-0DB04165DED8}"/>
+              </a:ext>
+            </a:extLst>
+          </p:cNvPr>
+          <p:cNvPicPr>
+            <a:picLocks noChangeAspect="1"/>
+          </p:cNvPicPr>
           <p:nvPr/>
         </p:nvPicPr>
         <p:blipFill>
-          <a:blip r:embed="rId3">
-            <a:alphaModFix/>
-          </a:blip>
+          <a:blip r:embed="rId3"/>
           <a:stretch>
             <a:fillRect/>
           </a:stretch>
         </p:blipFill>
         <p:spPr>
           <a:xfrm>
-            <a:off x="155850" y="1463159"/>
-            <a:ext cx="8832299" cy="2401016"/>
+            <a:off x="82502" y="1192280"/>
+            <a:ext cx="8978995" cy="2758940"/>
           </a:xfrm>
           <a:prstGeom prst="rect">
             <a:avLst/>
           </a:prstGeom>
-          <a:noFill/>
-          <a:ln>
-            <a:noFill/>
-          </a:ln>
         </p:spPr>
       </p:pic>
     </p:spTree>
@@ -22802,10 +22832,10 @@
       </p:sp>
       <p:pic>
         <p:nvPicPr>
-          <p:cNvPr id="3" name="Imagem 2">
+          <p:cNvPr id="8" name="Imagem 7">
             <a:extLst>
               <a:ext uri="{FF2B5EF4-FFF2-40B4-BE49-F238E27FC236}">
-                <a16:creationId xmlns:a16="http://schemas.microsoft.com/office/drawing/2014/main" id="{21F32DCE-413B-D124-BC46-17AA5479A2C2}"/>
+                <a16:creationId xmlns:a16="http://schemas.microsoft.com/office/drawing/2014/main" id="{B1820AFB-1DC8-6ADD-D070-D41702C900BF}"/>
               </a:ext>
             </a:extLst>
           </p:cNvPr>
@@ -22822,8 +22852,8 @@
         </p:blipFill>
         <p:spPr>
           <a:xfrm>
-            <a:off x="631408" y="1152475"/>
-            <a:ext cx="6656292" cy="3748891"/>
+            <a:off x="1017198" y="966845"/>
+            <a:ext cx="7109604" cy="3976382"/>
           </a:xfrm>
           <a:prstGeom prst="rect">
             <a:avLst/>
@@ -22969,10 +22999,10 @@
       </p:sp>
       <p:pic>
         <p:nvPicPr>
-          <p:cNvPr id="3" name="Imagem 2">
+          <p:cNvPr id="6" name="Imagem 5">
             <a:extLst>
               <a:ext uri="{FF2B5EF4-FFF2-40B4-BE49-F238E27FC236}">
-                <a16:creationId xmlns:a16="http://schemas.microsoft.com/office/drawing/2014/main" id="{E4E0B76C-167B-E865-F18C-3D3650E2FEBE}"/>
+                <a16:creationId xmlns:a16="http://schemas.microsoft.com/office/drawing/2014/main" id="{E6816806-E473-C60B-252D-DBA144557998}"/>
               </a:ext>
             </a:extLst>
           </p:cNvPr>
@@ -22989,8 +23019,8 @@
         </p:blipFill>
         <p:spPr>
           <a:xfrm>
-            <a:off x="1179094" y="1152475"/>
-            <a:ext cx="6785811" cy="3772028"/>
+            <a:off x="910962" y="1017725"/>
+            <a:ext cx="7322075" cy="3960334"/>
           </a:xfrm>
           <a:prstGeom prst="rect">
             <a:avLst/>
@@ -23136,10 +23166,10 @@
       </p:sp>
       <p:pic>
         <p:nvPicPr>
-          <p:cNvPr id="3" name="Imagem 2">
+          <p:cNvPr id="4" name="Imagem 3">
             <a:extLst>
               <a:ext uri="{FF2B5EF4-FFF2-40B4-BE49-F238E27FC236}">
-                <a16:creationId xmlns:a16="http://schemas.microsoft.com/office/drawing/2014/main" id="{E2BF232C-9E4A-7C9D-06ED-E4BFB64253BF}"/>
+                <a16:creationId xmlns:a16="http://schemas.microsoft.com/office/drawing/2014/main" id="{C2D670DD-9BD4-DF26-0713-EA02FD5ED7F7}"/>
               </a:ext>
             </a:extLst>
           </p:cNvPr>
@@ -23156,8 +23186,8 @@
         </p:blipFill>
         <p:spPr>
           <a:xfrm>
-            <a:off x="1130968" y="1017725"/>
-            <a:ext cx="6882063" cy="3849867"/>
+            <a:off x="849085" y="996043"/>
+            <a:ext cx="7445829" cy="4147457"/>
           </a:xfrm>
           <a:prstGeom prst="rect">
             <a:avLst/>
@@ -23321,10 +23351,10 @@
       </p:sp>
       <p:pic>
         <p:nvPicPr>
-          <p:cNvPr id="3" name="Imagem 2">
+          <p:cNvPr id="4" name="Imagem 3">
             <a:extLst>
               <a:ext uri="{FF2B5EF4-FFF2-40B4-BE49-F238E27FC236}">
-                <a16:creationId xmlns:a16="http://schemas.microsoft.com/office/drawing/2014/main" id="{405B1CF5-C971-7C36-F992-C3983EE6F1F7}"/>
+                <a16:creationId xmlns:a16="http://schemas.microsoft.com/office/drawing/2014/main" id="{2D54B21A-60DD-D7F4-1792-4CFDA6C8F98E}"/>
               </a:ext>
             </a:extLst>
           </p:cNvPr>
@@ -23341,8 +23371,8 @@
         </p:blipFill>
         <p:spPr>
           <a:xfrm>
-            <a:off x="1225368" y="1152475"/>
-            <a:ext cx="6693264" cy="3692835"/>
+            <a:off x="841828" y="951498"/>
+            <a:ext cx="7460343" cy="4192002"/>
           </a:xfrm>
           <a:prstGeom prst="rect">
             <a:avLst/>
@@ -23493,10 +23523,10 @@
       </p:sp>
       <p:pic>
         <p:nvPicPr>
-          <p:cNvPr id="3" name="Imagem 2">
+          <p:cNvPr id="5" name="Imagem 4">
             <a:extLst>
               <a:ext uri="{FF2B5EF4-FFF2-40B4-BE49-F238E27FC236}">
-                <a16:creationId xmlns:a16="http://schemas.microsoft.com/office/drawing/2014/main" id="{553BC8F8-B4F5-2929-CD02-808035D7452A}"/>
+                <a16:creationId xmlns:a16="http://schemas.microsoft.com/office/drawing/2014/main" id="{FFD8175A-B5C5-FB37-DAFE-77AD090EFB8D}"/>
               </a:ext>
             </a:extLst>
           </p:cNvPr>
@@ -23513,8 +23543,8 @@
         </p:blipFill>
         <p:spPr>
           <a:xfrm>
-            <a:off x="1128686" y="1152475"/>
-            <a:ext cx="6886627" cy="3867367"/>
+            <a:off x="1007164" y="1017725"/>
+            <a:ext cx="7129672" cy="3956319"/>
           </a:xfrm>
           <a:prstGeom prst="rect">
             <a:avLst/>
